--- a/2017-03-01_Introduction_to_UNIX-wo-answers.pptx
+++ b/2017-03-01_Introduction_to_UNIX-wo-answers.pptx
@@ -10027,13 +10027,7 @@
               <a:rPr lang="en-US" sz="2000" dirty="0" smtClean="0">
                 <a:cs typeface="Courier New" panose="02070309020205020404" pitchFamily="49" charset="0"/>
               </a:rPr>
-              <a:t>2.1: </a:t>
-            </a:r>
-            <a:r>
-              <a:rPr lang="en-US" sz="2000" dirty="0" smtClean="0">
-                <a:cs typeface="Courier New" panose="02070309020205020404" pitchFamily="49" charset="0"/>
-              </a:rPr>
-              <a:t>Make </a:t>
+              <a:t>2.1: Make </a:t>
             </a:r>
             <a:r>
               <a:rPr lang="en-US" sz="2000" dirty="0">
@@ -11760,13 +11754,7 @@
               <a:rPr lang="en-US" sz="2000" dirty="0" smtClean="0">
                 <a:cs typeface="Courier New" panose="02070309020205020404" pitchFamily="49" charset="0"/>
               </a:rPr>
-              <a:t>3.2: </a:t>
-            </a:r>
-            <a:r>
-              <a:rPr lang="en-US" sz="2000" dirty="0" smtClean="0">
-                <a:cs typeface="Courier New" panose="02070309020205020404" pitchFamily="49" charset="0"/>
-              </a:rPr>
-              <a:t>Moving Files and Folders</a:t>
+              <a:t>3.2: Moving Files and Folders</a:t>
             </a:r>
             <a:endParaRPr lang="en-US" sz="2000" dirty="0">
               <a:cs typeface="Courier New" panose="02070309020205020404" pitchFamily="49" charset="0"/>
@@ -20342,7 +20330,9 @@
         </p:nvSpPr>
         <p:spPr/>
         <p:txBody>
-          <a:bodyPr/>
+          <a:bodyPr>
+            <a:normAutofit/>
+          </a:bodyPr>
           <a:lstStyle/>
           <a:p>
             <a:r>
@@ -20365,8 +20355,34 @@
           <a:p>
             <a:r>
               <a:rPr lang="en-US" dirty="0"/>
-              <a:t>Please fill out survey!</a:t>
-            </a:r>
+              <a:t>Please fill out survey</a:t>
+            </a:r>
+            <a:r>
+              <a:rPr lang="en-US" dirty="0" smtClean="0"/>
+              <a:t>!</a:t>
+            </a:r>
+          </a:p>
+          <a:p>
+            <a:pPr lvl="1"/>
+            <a:r>
+              <a:rPr lang="en-US">
+                <a:hlinkClick r:id="rId2"/>
+              </a:rPr>
+              <a:t>https</a:t>
+            </a:r>
+            <a:r>
+              <a:rPr lang="en-US">
+                <a:hlinkClick r:id="rId2"/>
+              </a:rPr>
+              <a:t>://</a:t>
+            </a:r>
+            <a:r>
+              <a:rPr lang="en-US" smtClean="0">
+                <a:hlinkClick r:id="rId2"/>
+              </a:rPr>
+              <a:t>goo.gl/forms/0atRg9YsBC98jMSP2</a:t>
+            </a:r>
+            <a:endParaRPr lang="en-US" dirty="0"/>
           </a:p>
           <a:p>
             <a:pPr lvl="1"/>

--- a/2017-03-01_Introduction_to_UNIX-wo-answers.pptx
+++ b/2017-03-01_Introduction_to_UNIX-wo-answers.pptx
@@ -9,10 +9,10 @@
   </p:notesMasterIdLst>
   <p:sldIdLst>
     <p:sldId id="256" r:id="rId2"/>
-    <p:sldId id="272" r:id="rId3"/>
+    <p:sldId id="385" r:id="rId3"/>
     <p:sldId id="302" r:id="rId4"/>
     <p:sldId id="303" r:id="rId5"/>
-    <p:sldId id="273" r:id="rId6"/>
+    <p:sldId id="384" r:id="rId6"/>
     <p:sldId id="257" r:id="rId7"/>
     <p:sldId id="258" r:id="rId8"/>
     <p:sldId id="259" r:id="rId9"/>
@@ -91,7 +91,7 @@
     <p:sldId id="355" r:id="rId82"/>
     <p:sldId id="356" r:id="rId83"/>
     <p:sldId id="360" r:id="rId84"/>
-    <p:sldId id="358" r:id="rId85"/>
+    <p:sldId id="386" r:id="rId85"/>
     <p:sldId id="274" r:id="rId86"/>
   </p:sldIdLst>
   <p:sldSz cx="9144000" cy="6858000" type="screen4x3"/>
@@ -6182,9 +6182,10 @@
           <a:lstStyle/>
           <a:p>
             <a:r>
-              <a:rPr lang="en-US" dirty="0"/>
-              <a:t>Acknowledgements</a:t>
-            </a:r>
+              <a:rPr lang="en-US" dirty="0" smtClean="0"/>
+              <a:t>Thanks!</a:t>
+            </a:r>
+            <a:endParaRPr lang="en-US" dirty="0"/>
           </a:p>
         </p:txBody>
       </p:sp>
@@ -6198,7 +6199,12 @@
             <p:ph idx="1"/>
           </p:nvPr>
         </p:nvSpPr>
-        <p:spPr/>
+        <p:spPr>
+          <a:xfrm>
+            <a:off x="628650" y="1675724"/>
+            <a:ext cx="7886700" cy="5032375"/>
+          </a:xfrm>
+        </p:spPr>
         <p:txBody>
           <a:bodyPr>
             <a:normAutofit/>
@@ -6228,9 +6234,18 @@
           </a:p>
           <a:p>
             <a:r>
+              <a:rPr lang="en-US" sz="2000" dirty="0" smtClean="0"/>
+              <a:t>Organizers: </a:t>
+            </a:r>
+            <a:r>
               <a:rPr lang="en-US" sz="2000" dirty="0"/>
-              <a:t>Organizer: Ashish Jain</a:t>
-            </a:r>
+              <a:t>Ashish </a:t>
+            </a:r>
+            <a:r>
+              <a:rPr lang="en-US" sz="2000" dirty="0" smtClean="0"/>
+              <a:t>Jain and Dan Kool</a:t>
+            </a:r>
+            <a:endParaRPr lang="en-US" sz="2000" dirty="0"/>
           </a:p>
           <a:p>
             <a:r>
@@ -6241,13 +6256,169 @@
           <a:p>
             <a:r>
               <a:rPr lang="en-US" sz="2000" dirty="0"/>
-              <a:t>Tech support: Biology IT (Levi Baber)</a:t>
-            </a:r>
-          </a:p>
-          <a:p>
+              <a:t>Tech support: Biology IT (Levi Baber</a:t>
+            </a:r>
+            <a:r>
+              <a:rPr lang="en-US" sz="2000" dirty="0" smtClean="0"/>
+              <a:t>)</a:t>
+            </a:r>
+          </a:p>
+          <a:p>
+            <a:endParaRPr lang="en-US" sz="2000" dirty="0"/>
+          </a:p>
+          <a:p>
+            <a:pPr marL="0" indent="0">
+              <a:buNone/>
+            </a:pPr>
             <a:r>
               <a:rPr lang="en-US" sz="2000" dirty="0"/>
-              <a:t>Our many volunteers!</a:t>
+              <a:t>Our </a:t>
+            </a:r>
+            <a:r>
+              <a:rPr lang="en-US" sz="2000" dirty="0" smtClean="0"/>
+              <a:t>many, MANY volunteers:</a:t>
+            </a:r>
+          </a:p>
+          <a:p>
+            <a:pPr marL="0" indent="0">
+              <a:buNone/>
+            </a:pPr>
+            <a:r>
+              <a:rPr lang="en-US" sz="2000" dirty="0" smtClean="0"/>
+              <a:t>Dan Kool</a:t>
+            </a:r>
+            <a:r>
+              <a:rPr lang="en-US" sz="2000" dirty="0"/>
+              <a:t>	</a:t>
+            </a:r>
+            <a:r>
+              <a:rPr lang="en-US" sz="2000" dirty="0" smtClean="0"/>
+              <a:t>Ashish Jain	David </a:t>
+            </a:r>
+            <a:r>
+              <a:rPr lang="en-US" sz="2000" dirty="0" err="1" smtClean="0"/>
+              <a:t>Hufnagel</a:t>
+            </a:r>
+            <a:r>
+              <a:rPr lang="en-US" sz="2000" dirty="0"/>
+              <a:t>	</a:t>
+            </a:r>
+            <a:r>
+              <a:rPr lang="en-US" sz="2000" dirty="0" err="1" smtClean="0"/>
+              <a:t>Xiyu</a:t>
+            </a:r>
+            <a:r>
+              <a:rPr lang="en-US" sz="2000" dirty="0" smtClean="0"/>
+              <a:t> Peng</a:t>
+            </a:r>
+          </a:p>
+          <a:p>
+            <a:pPr marL="0" indent="0">
+              <a:buNone/>
+            </a:pPr>
+            <a:r>
+              <a:rPr lang="en-US" sz="2000" dirty="0" err="1" smtClean="0"/>
+              <a:t>Sagnik</a:t>
+            </a:r>
+            <a:r>
+              <a:rPr lang="en-US" sz="2000" dirty="0" smtClean="0"/>
+              <a:t> Banerjee	</a:t>
+            </a:r>
+            <a:r>
+              <a:rPr lang="en-US" sz="2000" dirty="0" err="1" smtClean="0"/>
+              <a:t>Akshay</a:t>
+            </a:r>
+            <a:r>
+              <a:rPr lang="en-US" sz="2000" dirty="0" smtClean="0"/>
+              <a:t> Yadav	Schuyler Smith	</a:t>
+            </a:r>
+            <a:r>
+              <a:rPr lang="en-US" sz="2000" dirty="0" err="1" smtClean="0"/>
+              <a:t>Urminder</a:t>
+            </a:r>
+            <a:r>
+              <a:rPr lang="en-US" sz="2000" dirty="0" smtClean="0"/>
+              <a:t> Singh</a:t>
+            </a:r>
+          </a:p>
+          <a:p>
+            <a:pPr marL="0" indent="0">
+              <a:buNone/>
+            </a:pPr>
+            <a:r>
+              <a:rPr lang="en-US" sz="2000" dirty="0" smtClean="0"/>
+              <a:t>Lindsay Rutter	Alvin Chon	</a:t>
+            </a:r>
+            <a:r>
+              <a:rPr lang="en-US" sz="2000" dirty="0" err="1" smtClean="0"/>
+              <a:t>Avani</a:t>
+            </a:r>
+            <a:r>
+              <a:rPr lang="en-US" sz="2000" dirty="0" smtClean="0"/>
+              <a:t> </a:t>
+            </a:r>
+            <a:r>
+              <a:rPr lang="en-US" sz="2000" dirty="0" err="1" smtClean="0"/>
+              <a:t>Khadilkar</a:t>
+            </a:r>
+            <a:r>
+              <a:rPr lang="en-US" sz="2000" dirty="0" smtClean="0"/>
+              <a:t>	Kumar </a:t>
+            </a:r>
+            <a:r>
+              <a:rPr lang="en-US" sz="2000" dirty="0" err="1" smtClean="0"/>
+              <a:t>Ambuj</a:t>
+            </a:r>
+            <a:endParaRPr lang="en-US" sz="2000" dirty="0" smtClean="0"/>
+          </a:p>
+          <a:p>
+            <a:pPr marL="0" indent="0">
+              <a:buNone/>
+            </a:pPr>
+            <a:r>
+              <a:rPr lang="en-US" sz="2000" dirty="0"/>
+              <a:t>Nancy </a:t>
+            </a:r>
+            <a:r>
+              <a:rPr lang="en-US" sz="2000" dirty="0" err="1" smtClean="0"/>
+              <a:t>Machanda</a:t>
+            </a:r>
+            <a:r>
+              <a:rPr lang="en-US" sz="2000" dirty="0" smtClean="0"/>
+              <a:t>	Cam Fay		</a:t>
+            </a:r>
+            <a:r>
+              <a:rPr lang="en-US" sz="2000" dirty="0" err="1" smtClean="0"/>
+              <a:t>Sayane</a:t>
+            </a:r>
+            <a:r>
+              <a:rPr lang="en-US" sz="2000" dirty="0" smtClean="0"/>
+              <a:t> </a:t>
+            </a:r>
+            <a:r>
+              <a:rPr lang="en-US" sz="2000" dirty="0" err="1" smtClean="0"/>
+              <a:t>Shome</a:t>
+            </a:r>
+            <a:r>
+              <a:rPr lang="en-US" sz="2000" dirty="0" smtClean="0"/>
+              <a:t>	Rebekah Starks</a:t>
+            </a:r>
+          </a:p>
+          <a:p>
+            <a:pPr marL="0" indent="0">
+              <a:buNone/>
+            </a:pPr>
+            <a:r>
+              <a:rPr lang="en-US" sz="2000" dirty="0" smtClean="0"/>
+              <a:t>John Hsieh	Ashley Zhu	Gaurav </a:t>
+            </a:r>
+            <a:r>
+              <a:rPr lang="en-US" sz="2000" dirty="0" err="1" smtClean="0"/>
+              <a:t>Kandoi</a:t>
+            </a:r>
+            <a:r>
+              <a:rPr lang="en-US" sz="2000" dirty="0" smtClean="0"/>
+              <a:t>	Michael Zeller</a:t>
             </a:r>
           </a:p>
         </p:txBody>
@@ -6255,7 +6426,7 @@
     </p:spTree>
     <p:extLst>
       <p:ext uri="{BB962C8B-B14F-4D97-AF65-F5344CB8AC3E}">
-        <p14:creationId xmlns:p14="http://schemas.microsoft.com/office/powerpoint/2010/main" val="1406219055"/>
+        <p14:creationId xmlns:p14="http://schemas.microsoft.com/office/powerpoint/2010/main" val="287155553"/>
       </p:ext>
     </p:extLst>
   </p:cSld>
@@ -12772,7 +12943,7 @@
     </p:spTree>
     <p:extLst>
       <p:ext uri="{BB962C8B-B14F-4D97-AF65-F5344CB8AC3E}">
-        <p14:creationId xmlns:p14="http://schemas.microsoft.com/office/powerpoint/2010/main" val="3300900052"/>
+        <p14:creationId xmlns:p14="http://schemas.microsoft.com/office/powerpoint/2010/main" val="3527656773"/>
       </p:ext>
     </p:extLst>
   </p:cSld>
@@ -20341,15 +20512,15 @@
             </a:r>
           </a:p>
           <a:p>
+            <a:pPr marL="0" indent="0">
+              <a:buNone/>
+            </a:pPr>
             <a:endParaRPr lang="en-US" dirty="0"/>
           </a:p>
           <a:p>
-            <a:endParaRPr lang="en-US" dirty="0"/>
-          </a:p>
-          <a:p>
-            <a:endParaRPr lang="en-US" dirty="0"/>
-          </a:p>
-          <a:p>
+            <a:pPr marL="0" indent="0">
+              <a:buNone/>
+            </a:pPr>
             <a:endParaRPr lang="en-US" dirty="0"/>
           </a:p>
           <a:p>
@@ -20365,19 +20536,19 @@
           <a:p>
             <a:pPr lvl="1"/>
             <a:r>
-              <a:rPr lang="en-US">
+              <a:rPr lang="en-US" dirty="0" smtClean="0">
                 <a:hlinkClick r:id="rId2"/>
               </a:rPr>
               <a:t>https</a:t>
             </a:r>
             <a:r>
-              <a:rPr lang="en-US">
+              <a:rPr lang="en-US" dirty="0">
                 <a:hlinkClick r:id="rId2"/>
               </a:rPr>
               <a:t>://</a:t>
             </a:r>
             <a:r>
-              <a:rPr lang="en-US" smtClean="0">
+              <a:rPr lang="en-US" dirty="0" smtClean="0">
                 <a:hlinkClick r:id="rId2"/>
               </a:rPr>
               <a:t>goo.gl/forms/0atRg9YsBC98jMSP2</a:t>
@@ -20396,7 +20567,7 @@
     </p:spTree>
     <p:extLst>
       <p:ext uri="{BB962C8B-B14F-4D97-AF65-F5344CB8AC3E}">
-        <p14:creationId xmlns:p14="http://schemas.microsoft.com/office/powerpoint/2010/main" val="570088936"/>
+        <p14:creationId xmlns:p14="http://schemas.microsoft.com/office/powerpoint/2010/main" val="4268265116"/>
       </p:ext>
     </p:extLst>
   </p:cSld>
